--- a/LuTao—ES/仿真.pptx
+++ b/LuTao—ES/仿真.pptx
@@ -7,12 +7,13 @@
   <p:sldIdLst>
     <p:sldId id="257" r:id="rId2"/>
     <p:sldId id="278" r:id="rId3"/>
-    <p:sldId id="279" r:id="rId4"/>
-    <p:sldId id="280" r:id="rId5"/>
-    <p:sldId id="281" r:id="rId6"/>
-    <p:sldId id="282" r:id="rId7"/>
-    <p:sldId id="283" r:id="rId8"/>
-    <p:sldId id="284" r:id="rId9"/>
+    <p:sldId id="285" r:id="rId4"/>
+    <p:sldId id="286" r:id="rId5"/>
+    <p:sldId id="287" r:id="rId6"/>
+    <p:sldId id="288" r:id="rId7"/>
+    <p:sldId id="289" r:id="rId8"/>
+    <p:sldId id="290" r:id="rId9"/>
+    <p:sldId id="291" r:id="rId10"/>
   </p:sldIdLst>
   <p:sldSz cx="12192000" cy="6858000"/>
   <p:notesSz cx="6858000" cy="9144000"/>
@@ -248,7 +249,7 @@
           <a:p>
             <a:fld id="{63A1C593-65D0-4073-BCC9-577B9352EA97}" type="datetimeFigureOut">
               <a:rPr lang="en-US" smtClean="0"/>
-              <a:t>4/3/2019</a:t>
+              <a:t>4/10/2019</a:t>
             </a:fld>
             <a:endParaRPr lang="en-US"/>
           </a:p>
@@ -416,7 +417,7 @@
           <a:p>
             <a:fld id="{63A1C593-65D0-4073-BCC9-577B9352EA97}" type="datetimeFigureOut">
               <a:rPr lang="en-US" smtClean="0"/>
-              <a:t>4/3/2019</a:t>
+              <a:t>4/10/2019</a:t>
             </a:fld>
             <a:endParaRPr lang="en-US"/>
           </a:p>
@@ -594,7 +595,7 @@
           <a:p>
             <a:fld id="{63A1C593-65D0-4073-BCC9-577B9352EA97}" type="datetimeFigureOut">
               <a:rPr lang="en-US" smtClean="0"/>
-              <a:t>4/3/2019</a:t>
+              <a:t>4/10/2019</a:t>
             </a:fld>
             <a:endParaRPr lang="en-US"/>
           </a:p>
@@ -762,7 +763,7 @@
           <a:p>
             <a:fld id="{63A1C593-65D0-4073-BCC9-577B9352EA97}" type="datetimeFigureOut">
               <a:rPr lang="en-US" smtClean="0"/>
-              <a:t>4/3/2019</a:t>
+              <a:t>4/10/2019</a:t>
             </a:fld>
             <a:endParaRPr lang="en-US"/>
           </a:p>
@@ -1007,7 +1008,7 @@
           <a:p>
             <a:fld id="{63A1C593-65D0-4073-BCC9-577B9352EA97}" type="datetimeFigureOut">
               <a:rPr lang="en-US" smtClean="0"/>
-              <a:t>4/3/2019</a:t>
+              <a:t>4/10/2019</a:t>
             </a:fld>
             <a:endParaRPr lang="en-US"/>
           </a:p>
@@ -1236,7 +1237,7 @@
           <a:p>
             <a:fld id="{63A1C593-65D0-4073-BCC9-577B9352EA97}" type="datetimeFigureOut">
               <a:rPr lang="en-US" smtClean="0"/>
-              <a:t>4/3/2019</a:t>
+              <a:t>4/10/2019</a:t>
             </a:fld>
             <a:endParaRPr lang="en-US"/>
           </a:p>
@@ -1600,7 +1601,7 @@
           <a:p>
             <a:fld id="{63A1C593-65D0-4073-BCC9-577B9352EA97}" type="datetimeFigureOut">
               <a:rPr lang="en-US" smtClean="0"/>
-              <a:t>4/3/2019</a:t>
+              <a:t>4/10/2019</a:t>
             </a:fld>
             <a:endParaRPr lang="en-US"/>
           </a:p>
@@ -1717,7 +1718,7 @@
           <a:p>
             <a:fld id="{63A1C593-65D0-4073-BCC9-577B9352EA97}" type="datetimeFigureOut">
               <a:rPr lang="en-US" smtClean="0"/>
-              <a:t>4/3/2019</a:t>
+              <a:t>4/10/2019</a:t>
             </a:fld>
             <a:endParaRPr lang="en-US"/>
           </a:p>
@@ -1812,7 +1813,7 @@
           <a:p>
             <a:fld id="{63A1C593-65D0-4073-BCC9-577B9352EA97}" type="datetimeFigureOut">
               <a:rPr lang="en-US" smtClean="0"/>
-              <a:t>4/3/2019</a:t>
+              <a:t>4/10/2019</a:t>
             </a:fld>
             <a:endParaRPr lang="en-US"/>
           </a:p>
@@ -2087,7 +2088,7 @@
           <a:p>
             <a:fld id="{63A1C593-65D0-4073-BCC9-577B9352EA97}" type="datetimeFigureOut">
               <a:rPr lang="en-US" smtClean="0"/>
-              <a:t>4/3/2019</a:t>
+              <a:t>4/10/2019</a:t>
             </a:fld>
             <a:endParaRPr lang="en-US"/>
           </a:p>
@@ -2339,7 +2340,7 @@
           <a:p>
             <a:fld id="{63A1C593-65D0-4073-BCC9-577B9352EA97}" type="datetimeFigureOut">
               <a:rPr lang="en-US" smtClean="0"/>
-              <a:t>4/3/2019</a:t>
+              <a:t>4/10/2019</a:t>
             </a:fld>
             <a:endParaRPr lang="en-US"/>
           </a:p>
@@ -2550,7 +2551,7 @@
           <a:p>
             <a:fld id="{63A1C593-65D0-4073-BCC9-577B9352EA97}" type="datetimeFigureOut">
               <a:rPr lang="en-US" smtClean="0"/>
-              <a:t>4/3/2019</a:t>
+              <a:t>4/10/2019</a:t>
             </a:fld>
             <a:endParaRPr lang="en-US"/>
           </a:p>
@@ -3225,21 +3226,92 @@
           <a:p>
             <a:r>
               <a:rPr lang="zh-CN" altLang="en-US" dirty="0"/>
-              <a:t>优化的目标函数：</a:t>
+              <a:t>常用的测试函数：</a:t>
+            </a:r>
+            <a:r>
+              <a:rPr lang="en-US" altLang="zh-CN" dirty="0" err="1"/>
+              <a:t>Rastrigin</a:t>
+            </a:r>
+            <a:r>
+              <a:rPr lang="zh-CN" altLang="en-US" dirty="0"/>
+              <a:t>函数</a:t>
             </a:r>
             <a:endParaRPr lang="en-US" altLang="zh-CN" dirty="0"/>
           </a:p>
           <a:p>
             <a:endParaRPr lang="en-US" altLang="zh-CN" dirty="0"/>
+          </a:p>
+        </p:txBody>
+      </p:sp>
+      <p:sp>
+        <p:nvSpPr>
+          <p:cNvPr id="7" name="文本框 6">
+            <a:extLst>
+              <a:ext uri="{FF2B5EF4-FFF2-40B4-BE49-F238E27FC236}">
+                <a16:creationId xmlns:a16="http://schemas.microsoft.com/office/drawing/2014/main" id="{4F04C571-FBAE-4F9E-B7B0-0DE937F1028E}"/>
+              </a:ext>
+            </a:extLst>
+          </p:cNvPr>
+          <p:cNvSpPr txBox="1"/>
+          <p:nvPr/>
+        </p:nvSpPr>
+        <p:spPr>
+          <a:xfrm>
+            <a:off x="1009113" y="3605349"/>
+            <a:ext cx="5278476" cy="1815882"/>
+          </a:xfrm>
+          <a:prstGeom prst="rect">
+            <a:avLst/>
+          </a:prstGeom>
+          <a:noFill/>
+        </p:spPr>
+        <p:txBody>
+          <a:bodyPr wrap="square" rtlCol="0">
+            <a:spAutoFit/>
+          </a:bodyPr>
+          <a:lstStyle/>
+          <a:p>
+            <a:pPr marL="285750" indent="-285750">
+              <a:buFont typeface="Arial" panose="020B0604020202020204" pitchFamily="34" charset="0"/>
+              <a:buChar char="•"/>
+            </a:pPr>
+            <a:r>
+              <a:rPr lang="zh-CN" altLang="en-US" sz="2800" dirty="0"/>
+              <a:t>非凸函数</a:t>
+            </a:r>
+            <a:endParaRPr lang="en-US" altLang="zh-CN" sz="2800" dirty="0"/>
+          </a:p>
+          <a:p>
+            <a:pPr marL="285750" indent="-285750">
+              <a:buFont typeface="Arial" panose="020B0604020202020204" pitchFamily="34" charset="0"/>
+              <a:buChar char="•"/>
+            </a:pPr>
+            <a:r>
+              <a:rPr lang="zh-CN" altLang="en-US" sz="2800" dirty="0"/>
+              <a:t>该函数有非常多的局部极小点，而仅仅只有一个全局最小点，这个点就是</a:t>
+            </a:r>
+            <a:r>
+              <a:rPr lang="en-US" altLang="zh-CN" sz="2800" dirty="0"/>
+              <a:t>[0 ,</a:t>
+            </a:r>
+            <a:r>
+              <a:rPr lang="zh-CN" altLang="en-US" sz="2800" dirty="0"/>
+              <a:t> </a:t>
+            </a:r>
+            <a:r>
+              <a:rPr lang="en-US" altLang="zh-CN" sz="2800" dirty="0"/>
+              <a:t>0]</a:t>
+            </a:r>
+            <a:endParaRPr lang="zh-CN" altLang="en-US" sz="2800" dirty="0"/>
           </a:p>
         </p:txBody>
       </p:sp>
       <p:pic>
         <p:nvPicPr>
-          <p:cNvPr id="4" name="图片 3">
+          <p:cNvPr id="5" name="图片 4">
             <a:extLst>
               <a:ext uri="{FF2B5EF4-FFF2-40B4-BE49-F238E27FC236}">
-                <a16:creationId xmlns:a16="http://schemas.microsoft.com/office/drawing/2014/main" id="{B56B4DCC-9CF6-4FC5-9856-17586E6BE465}"/>
+                <a16:creationId xmlns:a16="http://schemas.microsoft.com/office/drawing/2014/main" id="{713B7B52-1A40-46B4-8842-A5622630EC3C}"/>
               </a:ext>
             </a:extLst>
           </p:cNvPr>
@@ -3256,8 +3328,8 @@
         </p:blipFill>
         <p:spPr>
           <a:xfrm>
-            <a:off x="3993832" y="1542642"/>
-            <a:ext cx="6477300" cy="1000261"/>
+            <a:off x="1009113" y="2467837"/>
+            <a:ext cx="5534025" cy="495300"/>
           </a:xfrm>
           <a:prstGeom prst="rect">
             <a:avLst/>
@@ -3266,10 +3338,10 @@
       </p:pic>
       <p:pic>
         <p:nvPicPr>
-          <p:cNvPr id="6" name="图片 5">
+          <p:cNvPr id="8" name="图片 7">
             <a:extLst>
               <a:ext uri="{FF2B5EF4-FFF2-40B4-BE49-F238E27FC236}">
-                <a16:creationId xmlns:a16="http://schemas.microsoft.com/office/drawing/2014/main" id="{8A2A3BD4-A2B4-4F2D-8566-444840D0F529}"/>
+                <a16:creationId xmlns:a16="http://schemas.microsoft.com/office/drawing/2014/main" id="{53DAAF0D-BF39-4603-80EA-4975ABFC2C72}"/>
               </a:ext>
             </a:extLst>
           </p:cNvPr>
@@ -3286,84 +3358,18 @@
         </p:blipFill>
         <p:spPr>
           <a:xfrm>
-            <a:off x="4837625" y="2677840"/>
-            <a:ext cx="5357025" cy="3908834"/>
+            <a:off x="6458502" y="1825625"/>
+            <a:ext cx="5620722" cy="3931770"/>
           </a:xfrm>
           <a:prstGeom prst="rect">
             <a:avLst/>
           </a:prstGeom>
         </p:spPr>
       </p:pic>
-      <p:sp>
-        <p:nvSpPr>
-          <p:cNvPr id="7" name="文本框 6">
-            <a:extLst>
-              <a:ext uri="{FF2B5EF4-FFF2-40B4-BE49-F238E27FC236}">
-                <a16:creationId xmlns:a16="http://schemas.microsoft.com/office/drawing/2014/main" id="{4F04C571-FBAE-4F9E-B7B0-0DE937F1028E}"/>
-              </a:ext>
-            </a:extLst>
-          </p:cNvPr>
-          <p:cNvSpPr txBox="1"/>
-          <p:nvPr/>
-        </p:nvSpPr>
-        <p:spPr>
-          <a:xfrm>
-            <a:off x="1009113" y="3605349"/>
-            <a:ext cx="3657600" cy="954107"/>
-          </a:xfrm>
-          <a:prstGeom prst="rect">
-            <a:avLst/>
-          </a:prstGeom>
-          <a:noFill/>
-        </p:spPr>
-        <p:txBody>
-          <a:bodyPr wrap="square" rtlCol="0">
-            <a:spAutoFit/>
-          </a:bodyPr>
-          <a:lstStyle/>
-          <a:p>
-            <a:pPr marL="285750" indent="-285750">
-              <a:buFont typeface="Arial" panose="020B0604020202020204" pitchFamily="34" charset="0"/>
-              <a:buChar char="•"/>
-            </a:pPr>
-            <a:r>
-              <a:rPr lang="zh-CN" altLang="en-US" sz="2800" dirty="0"/>
-              <a:t>非凸函数</a:t>
-            </a:r>
-            <a:endParaRPr lang="en-US" altLang="zh-CN" sz="2800" dirty="0"/>
-          </a:p>
-          <a:p>
-            <a:pPr marL="285750" indent="-285750">
-              <a:buFont typeface="Arial" panose="020B0604020202020204" pitchFamily="34" charset="0"/>
-              <a:buChar char="•"/>
-            </a:pPr>
-            <a:r>
-              <a:rPr lang="zh-CN" altLang="en-US" sz="2800" dirty="0"/>
-              <a:t>最优解为（</a:t>
-            </a:r>
-            <a:r>
-              <a:rPr lang="en-US" altLang="zh-CN" sz="2800" dirty="0"/>
-              <a:t>-5</a:t>
-            </a:r>
-            <a:r>
-              <a:rPr lang="zh-CN" altLang="en-US" sz="2800" dirty="0"/>
-              <a:t>，</a:t>
-            </a:r>
-            <a:r>
-              <a:rPr lang="en-US" altLang="zh-CN" sz="2800" dirty="0"/>
-              <a:t>0</a:t>
-            </a:r>
-            <a:r>
-              <a:rPr lang="zh-CN" altLang="en-US" sz="2800" dirty="0"/>
-              <a:t>）</a:t>
-            </a:r>
-          </a:p>
-        </p:txBody>
-      </p:sp>
     </p:spTree>
     <p:extLst>
       <p:ext uri="{BB962C8B-B14F-4D97-AF65-F5344CB8AC3E}">
-        <p14:creationId xmlns:p14="http://schemas.microsoft.com/office/powerpoint/2010/main" val="3393067181"/>
+        <p14:creationId xmlns:p14="http://schemas.microsoft.com/office/powerpoint/2010/main" val="2207548607"/>
       </p:ext>
     </p:extLst>
   </p:cSld>
@@ -3493,7 +3499,7 @@
     </p:spTree>
     <p:extLst>
       <p:ext uri="{BB962C8B-B14F-4D97-AF65-F5344CB8AC3E}">
-        <p14:creationId xmlns:p14="http://schemas.microsoft.com/office/powerpoint/2010/main" val="3679194160"/>
+        <p14:creationId xmlns:p14="http://schemas.microsoft.com/office/powerpoint/2010/main" val="1567958106"/>
       </p:ext>
     </p:extLst>
   </p:cSld>
@@ -3586,10 +3592,10 @@
       </p:sp>
       <p:pic>
         <p:nvPicPr>
-          <p:cNvPr id="5" name="图片 4">
+          <p:cNvPr id="7" name="图片 6">
             <a:extLst>
               <a:ext uri="{FF2B5EF4-FFF2-40B4-BE49-F238E27FC236}">
-                <a16:creationId xmlns:a16="http://schemas.microsoft.com/office/drawing/2014/main" id="{FD87A1AE-FCE3-41FF-8AB0-AEA44E96B244}"/>
+                <a16:creationId xmlns:a16="http://schemas.microsoft.com/office/drawing/2014/main" id="{90AE6B52-11E1-48D3-AD0D-6AA63AC97150}"/>
               </a:ext>
             </a:extLst>
           </p:cNvPr>
@@ -3612,73 +3618,18 @@
         </p:blipFill>
         <p:spPr>
           <a:xfrm>
-            <a:off x="5225137" y="1234435"/>
-            <a:ext cx="5852172" cy="4389129"/>
+            <a:off x="4513217" y="1142591"/>
+            <a:ext cx="7297789" cy="5473342"/>
           </a:xfrm>
           <a:prstGeom prst="rect">
             <a:avLst/>
           </a:prstGeom>
         </p:spPr>
       </p:pic>
-      <p:sp>
-        <p:nvSpPr>
-          <p:cNvPr id="6" name="文本框 5">
-            <a:extLst>
-              <a:ext uri="{FF2B5EF4-FFF2-40B4-BE49-F238E27FC236}">
-                <a16:creationId xmlns:a16="http://schemas.microsoft.com/office/drawing/2014/main" id="{F3A4B643-E3BA-4919-8ABE-88EF03C0FDFA}"/>
-              </a:ext>
-            </a:extLst>
-          </p:cNvPr>
-          <p:cNvSpPr txBox="1"/>
-          <p:nvPr/>
-        </p:nvSpPr>
-        <p:spPr>
-          <a:xfrm>
-            <a:off x="838200" y="3524240"/>
-            <a:ext cx="3657600" cy="523220"/>
-          </a:xfrm>
-          <a:prstGeom prst="rect">
-            <a:avLst/>
-          </a:prstGeom>
-          <a:noFill/>
-        </p:spPr>
-        <p:txBody>
-          <a:bodyPr wrap="square" rtlCol="0">
-            <a:spAutoFit/>
-          </a:bodyPr>
-          <a:lstStyle/>
-          <a:p>
-            <a:pPr marL="285750" indent="-285750">
-              <a:buFont typeface="Arial" panose="020B0604020202020204" pitchFamily="34" charset="0"/>
-              <a:buChar char="•"/>
-            </a:pPr>
-            <a:r>
-              <a:rPr lang="zh-CN" altLang="en-US" sz="2800" dirty="0"/>
-              <a:t>（</a:t>
-            </a:r>
-            <a:r>
-              <a:rPr lang="en-US" altLang="zh-CN" sz="2800" dirty="0"/>
-              <a:t>-10</a:t>
-            </a:r>
-            <a:r>
-              <a:rPr lang="zh-CN" altLang="en-US" sz="2800" dirty="0"/>
-              <a:t>，</a:t>
-            </a:r>
-            <a:r>
-              <a:rPr lang="en-US" altLang="zh-CN" sz="2800" dirty="0"/>
-              <a:t>15</a:t>
-            </a:r>
-            <a:r>
-              <a:rPr lang="zh-CN" altLang="en-US" sz="2800" dirty="0"/>
-              <a:t>）</a:t>
-            </a:r>
-          </a:p>
-        </p:txBody>
-      </p:sp>
     </p:spTree>
     <p:extLst>
       <p:ext uri="{BB962C8B-B14F-4D97-AF65-F5344CB8AC3E}">
-        <p14:creationId xmlns:p14="http://schemas.microsoft.com/office/powerpoint/2010/main" val="2850832044"/>
+        <p14:creationId xmlns:p14="http://schemas.microsoft.com/office/powerpoint/2010/main" val="2588437354"/>
       </p:ext>
     </p:extLst>
   </p:cSld>
@@ -3760,7 +3711,7 @@
             </a:r>
             <a:r>
               <a:rPr lang="en-US" altLang="zh-CN" dirty="0"/>
-              <a:t>70</a:t>
+              <a:t>50</a:t>
             </a:r>
             <a:r>
               <a:rPr lang="zh-CN" altLang="en-US" dirty="0"/>
@@ -3803,33 +3754,17 @@
             </a:pPr>
             <a:r>
               <a:rPr lang="zh-CN" altLang="en-US" sz="2800" dirty="0"/>
-              <a:t>取到局部最优解（</a:t>
-            </a:r>
-            <a:r>
-              <a:rPr lang="en-US" altLang="zh-CN" sz="2800" dirty="0"/>
-              <a:t>5</a:t>
-            </a:r>
-            <a:r>
-              <a:rPr lang="zh-CN" altLang="en-US" sz="2800" dirty="0"/>
-              <a:t>，</a:t>
-            </a:r>
-            <a:r>
-              <a:rPr lang="en-US" altLang="zh-CN" sz="2800" dirty="0"/>
-              <a:t>0</a:t>
-            </a:r>
-            <a:r>
-              <a:rPr lang="zh-CN" altLang="en-US" sz="2800" dirty="0"/>
-              <a:t>）</a:t>
+              <a:t>不断跳出局部最优解</a:t>
             </a:r>
           </a:p>
         </p:txBody>
       </p:sp>
       <p:pic>
         <p:nvPicPr>
-          <p:cNvPr id="7" name="图片 6">
+          <p:cNvPr id="9" name="图片 8">
             <a:extLst>
               <a:ext uri="{FF2B5EF4-FFF2-40B4-BE49-F238E27FC236}">
-                <a16:creationId xmlns:a16="http://schemas.microsoft.com/office/drawing/2014/main" id="{4DCD1366-6849-4D25-9AE7-8E8D3E8A1700}"/>
+                <a16:creationId xmlns:a16="http://schemas.microsoft.com/office/drawing/2014/main" id="{E151B025-DBAC-457A-B63C-5DB9C6F7C5FE}"/>
               </a:ext>
             </a:extLst>
           </p:cNvPr>
@@ -3852,8 +3787,8 @@
         </p:blipFill>
         <p:spPr>
           <a:xfrm>
-            <a:off x="5501628" y="1175370"/>
-            <a:ext cx="6263652" cy="4697739"/>
+            <a:off x="5363382" y="1329675"/>
+            <a:ext cx="5852172" cy="4389129"/>
           </a:xfrm>
           <a:prstGeom prst="rect">
             <a:avLst/>
@@ -3863,7 +3798,7 @@
     </p:spTree>
     <p:extLst>
       <p:ext uri="{BB962C8B-B14F-4D97-AF65-F5344CB8AC3E}">
-        <p14:creationId xmlns:p14="http://schemas.microsoft.com/office/powerpoint/2010/main" val="688571904"/>
+        <p14:creationId xmlns:p14="http://schemas.microsoft.com/office/powerpoint/2010/main" val="3137492447"/>
       </p:ext>
     </p:extLst>
   </p:cSld>
@@ -3992,7 +3927,7 @@
             </a:r>
             <a:r>
               <a:rPr lang="en-US" altLang="zh-CN" sz="2800" dirty="0"/>
-              <a:t>-5</a:t>
+              <a:t>0</a:t>
             </a:r>
             <a:r>
               <a:rPr lang="zh-CN" altLang="en-US" sz="2800" dirty="0"/>
@@ -4011,10 +3946,10 @@
       </p:sp>
       <p:pic>
         <p:nvPicPr>
-          <p:cNvPr id="5" name="图片 4">
+          <p:cNvPr id="9" name="图片 8">
             <a:extLst>
               <a:ext uri="{FF2B5EF4-FFF2-40B4-BE49-F238E27FC236}">
-                <a16:creationId xmlns:a16="http://schemas.microsoft.com/office/drawing/2014/main" id="{42EC5E84-15E4-4C33-81FA-D71C993DA6E4}"/>
+                <a16:creationId xmlns:a16="http://schemas.microsoft.com/office/drawing/2014/main" id="{C47FF568-F865-4E15-8F42-9E75125DB245}"/>
               </a:ext>
             </a:extLst>
           </p:cNvPr>
@@ -4037,8 +3972,8 @@
         </p:blipFill>
         <p:spPr>
           <a:xfrm>
-            <a:off x="5312223" y="1114140"/>
-            <a:ext cx="6426932" cy="4820199"/>
+            <a:off x="5363381" y="1162717"/>
+            <a:ext cx="6297395" cy="4723046"/>
           </a:xfrm>
           <a:prstGeom prst="rect">
             <a:avLst/>
@@ -4048,7 +3983,7 @@
     </p:spTree>
     <p:extLst>
       <p:ext uri="{BB962C8B-B14F-4D97-AF65-F5344CB8AC3E}">
-        <p14:creationId xmlns:p14="http://schemas.microsoft.com/office/powerpoint/2010/main" val="2215621292"/>
+        <p14:creationId xmlns:p14="http://schemas.microsoft.com/office/powerpoint/2010/main" val="757566186"/>
       </p:ext>
     </p:extLst>
   </p:cSld>
@@ -4125,18 +4060,19 @@
           <a:lstStyle/>
           <a:p>
             <a:r>
-              <a:rPr lang="zh-CN" altLang="en-US" dirty="0"/>
+              <a:rPr lang="zh-CN" altLang="en-US"/>
               <a:t>整个采样过程</a:t>
             </a:r>
+            <a:endParaRPr lang="zh-CN" altLang="en-US" dirty="0"/>
           </a:p>
         </p:txBody>
       </p:sp>
       <p:pic>
         <p:nvPicPr>
-          <p:cNvPr id="5" name="图片 4">
+          <p:cNvPr id="6" name="图片 5">
             <a:extLst>
               <a:ext uri="{FF2B5EF4-FFF2-40B4-BE49-F238E27FC236}">
-                <a16:creationId xmlns:a16="http://schemas.microsoft.com/office/drawing/2014/main" id="{3921F73B-7F67-42F6-A22A-99CE66CBD296}"/>
+                <a16:creationId xmlns:a16="http://schemas.microsoft.com/office/drawing/2014/main" id="{3E22B34D-0E9A-4A6C-A974-2CA6EB9E20D6}"/>
               </a:ext>
             </a:extLst>
           </p:cNvPr>
@@ -4159,18 +4095,352 @@
         </p:blipFill>
         <p:spPr>
           <a:xfrm>
-            <a:off x="3808549" y="766354"/>
-            <a:ext cx="7355840" cy="5516880"/>
+            <a:off x="4356644" y="503331"/>
+            <a:ext cx="7390672" cy="5543004"/>
           </a:xfrm>
           <a:prstGeom prst="rect">
             <a:avLst/>
           </a:prstGeom>
         </p:spPr>
       </p:pic>
+      <p:sp>
+        <p:nvSpPr>
+          <p:cNvPr id="7" name="矩形 6">
+            <a:extLst>
+              <a:ext uri="{FF2B5EF4-FFF2-40B4-BE49-F238E27FC236}">
+                <a16:creationId xmlns:a16="http://schemas.microsoft.com/office/drawing/2014/main" id="{2BC7405D-D134-44EF-8D62-D6BEE5964EE6}"/>
+              </a:ext>
+            </a:extLst>
+          </p:cNvPr>
+          <p:cNvSpPr/>
+          <p:nvPr/>
+        </p:nvSpPr>
+        <p:spPr>
+          <a:xfrm>
+            <a:off x="7115162" y="5985337"/>
+            <a:ext cx="3219275" cy="369332"/>
+          </a:xfrm>
+          <a:prstGeom prst="rect">
+            <a:avLst/>
+          </a:prstGeom>
+        </p:spPr>
+        <p:txBody>
+          <a:bodyPr wrap="square">
+            <a:spAutoFit/>
+          </a:bodyPr>
+          <a:lstStyle/>
+          <a:p>
+            <a:r>
+              <a:rPr lang="en-US" altLang="zh-CN" dirty="0"/>
+              <a:t>NES</a:t>
+            </a:r>
+            <a:r>
+              <a:rPr lang="zh-CN" altLang="en-US" dirty="0"/>
+              <a:t>算法迭代可视化</a:t>
+            </a:r>
+            <a:r>
+              <a:rPr lang="en-US" altLang="zh-CN" dirty="0"/>
+              <a:t>gif</a:t>
+            </a:r>
+            <a:endParaRPr lang="zh-CN" altLang="en-US" dirty="0"/>
+          </a:p>
+        </p:txBody>
+      </p:sp>
     </p:spTree>
     <p:extLst>
       <p:ext uri="{BB962C8B-B14F-4D97-AF65-F5344CB8AC3E}">
-        <p14:creationId xmlns:p14="http://schemas.microsoft.com/office/powerpoint/2010/main" val="383399043"/>
+        <p14:creationId xmlns:p14="http://schemas.microsoft.com/office/powerpoint/2010/main" val="2040785867"/>
+      </p:ext>
+    </p:extLst>
+  </p:cSld>
+  <p:clrMapOvr>
+    <a:masterClrMapping/>
+  </p:clrMapOvr>
+</p:sld>
+</file>
+
+<file path=ppt/slides/slide9.xml><?xml version="1.0" encoding="utf-8"?>
+<p:sld xmlns:a="http://schemas.openxmlformats.org/drawingml/2006/main" xmlns:r="http://schemas.openxmlformats.org/officeDocument/2006/relationships" xmlns:p="http://schemas.openxmlformats.org/presentationml/2006/main">
+  <p:cSld>
+    <p:spTree>
+      <p:nvGrpSpPr>
+        <p:cNvPr id="1" name=""/>
+        <p:cNvGrpSpPr/>
+        <p:nvPr/>
+      </p:nvGrpSpPr>
+      <p:grpSpPr>
+        <a:xfrm>
+          <a:off x="0" y="0"/>
+          <a:ext cx="0" cy="0"/>
+          <a:chOff x="0" y="0"/>
+          <a:chExt cx="0" cy="0"/>
+        </a:xfrm>
+      </p:grpSpPr>
+      <p:sp>
+        <p:nvSpPr>
+          <p:cNvPr id="2" name="标题 1">
+            <a:extLst>
+              <a:ext uri="{FF2B5EF4-FFF2-40B4-BE49-F238E27FC236}">
+                <a16:creationId xmlns:a16="http://schemas.microsoft.com/office/drawing/2014/main" id="{0AA3953F-2D76-46C4-8DF9-A8B3354203FA}"/>
+              </a:ext>
+            </a:extLst>
+          </p:cNvPr>
+          <p:cNvSpPr>
+            <a:spLocks noGrp="1"/>
+          </p:cNvSpPr>
+          <p:nvPr>
+            <p:ph type="title"/>
+          </p:nvPr>
+        </p:nvSpPr>
+        <p:spPr/>
+        <p:txBody>
+          <a:bodyPr/>
+          <a:lstStyle/>
+          <a:p>
+            <a:r>
+              <a:rPr lang="en-US" altLang="zh-CN" dirty="0"/>
+              <a:t>Fitness</a:t>
+            </a:r>
+            <a:r>
+              <a:rPr lang="zh-CN" altLang="en-US" dirty="0"/>
+              <a:t>的变化</a:t>
+            </a:r>
+          </a:p>
+        </p:txBody>
+      </p:sp>
+      <p:pic>
+        <p:nvPicPr>
+          <p:cNvPr id="6" name="内容占位符 5">
+            <a:extLst>
+              <a:ext uri="{FF2B5EF4-FFF2-40B4-BE49-F238E27FC236}">
+                <a16:creationId xmlns:a16="http://schemas.microsoft.com/office/drawing/2014/main" id="{806EDB0B-BB33-4D98-B23B-091CD4505A51}"/>
+              </a:ext>
+            </a:extLst>
+          </p:cNvPr>
+          <p:cNvPicPr>
+            <a:picLocks noGrp="1" noChangeAspect="1"/>
+          </p:cNvPicPr>
+          <p:nvPr>
+            <p:ph idx="1"/>
+          </p:nvPr>
+        </p:nvPicPr>
+        <p:blipFill>
+          <a:blip r:embed="rId2">
+            <a:extLst>
+              <a:ext uri="{28A0092B-C50C-407E-A947-70E740481C1C}">
+                <a14:useLocalDpi xmlns:a14="http://schemas.microsoft.com/office/drawing/2010/main" val="0"/>
+              </a:ext>
+              <a:ext uri="{96DAC541-7B7A-43D3-8B79-37D633B846F1}">
+                <asvg:svgBlip xmlns:asvg="http://schemas.microsoft.com/office/drawing/2016/SVG/main" r:embed="rId3"/>
+              </a:ext>
+            </a:extLst>
+          </a:blip>
+          <a:stretch>
+            <a:fillRect/>
+          </a:stretch>
+        </p:blipFill>
+        <p:spPr>
+          <a:xfrm>
+            <a:off x="1150302" y="1391125"/>
+            <a:ext cx="10203498" cy="5101750"/>
+          </a:xfrm>
+        </p:spPr>
+      </p:pic>
+      <p:cxnSp>
+        <p:nvCxnSpPr>
+          <p:cNvPr id="10" name="直接箭头连接符 9">
+            <a:extLst>
+              <a:ext uri="{FF2B5EF4-FFF2-40B4-BE49-F238E27FC236}">
+                <a16:creationId xmlns:a16="http://schemas.microsoft.com/office/drawing/2014/main" id="{D13E2B10-8BF1-413B-963A-A54B10FFF500}"/>
+              </a:ext>
+            </a:extLst>
+          </p:cNvPr>
+          <p:cNvCxnSpPr/>
+          <p:nvPr/>
+        </p:nvCxnSpPr>
+        <p:spPr>
+          <a:xfrm flipH="1" flipV="1">
+            <a:off x="1150302" y="2185851"/>
+            <a:ext cx="1888989" cy="269966"/>
+          </a:xfrm>
+          <a:prstGeom prst="straightConnector1">
+            <a:avLst/>
+          </a:prstGeom>
+          <a:ln>
+            <a:tailEnd type="triangle"/>
+          </a:ln>
+        </p:spPr>
+        <p:style>
+          <a:lnRef idx="1">
+            <a:schemeClr val="accent1"/>
+          </a:lnRef>
+          <a:fillRef idx="0">
+            <a:schemeClr val="accent1"/>
+          </a:fillRef>
+          <a:effectRef idx="0">
+            <a:schemeClr val="accent1"/>
+          </a:effectRef>
+          <a:fontRef idx="minor">
+            <a:schemeClr val="tx1"/>
+          </a:fontRef>
+        </p:style>
+      </p:cxnSp>
+      <p:cxnSp>
+        <p:nvCxnSpPr>
+          <p:cNvPr id="11" name="直接箭头连接符 10">
+            <a:extLst>
+              <a:ext uri="{FF2B5EF4-FFF2-40B4-BE49-F238E27FC236}">
+                <a16:creationId xmlns:a16="http://schemas.microsoft.com/office/drawing/2014/main" id="{A9112800-2FC9-49AF-B291-B50BA6A9D4D4}"/>
+              </a:ext>
+            </a:extLst>
+          </p:cNvPr>
+          <p:cNvCxnSpPr>
+            <a:cxnSpLocks/>
+          </p:cNvCxnSpPr>
+          <p:nvPr/>
+        </p:nvCxnSpPr>
+        <p:spPr>
+          <a:xfrm flipH="1" flipV="1">
+            <a:off x="1150302" y="3239589"/>
+            <a:ext cx="1353413" cy="852192"/>
+          </a:xfrm>
+          <a:prstGeom prst="straightConnector1">
+            <a:avLst/>
+          </a:prstGeom>
+          <a:ln>
+            <a:tailEnd type="triangle"/>
+          </a:ln>
+        </p:spPr>
+        <p:style>
+          <a:lnRef idx="1">
+            <a:schemeClr val="accent1"/>
+          </a:lnRef>
+          <a:fillRef idx="0">
+            <a:schemeClr val="accent1"/>
+          </a:fillRef>
+          <a:effectRef idx="0">
+            <a:schemeClr val="accent1"/>
+          </a:effectRef>
+          <a:fontRef idx="minor">
+            <a:schemeClr val="tx1"/>
+          </a:fontRef>
+        </p:style>
+      </p:cxnSp>
+      <p:sp>
+        <p:nvSpPr>
+          <p:cNvPr id="13" name="文本框 12">
+            <a:extLst>
+              <a:ext uri="{FF2B5EF4-FFF2-40B4-BE49-F238E27FC236}">
+                <a16:creationId xmlns:a16="http://schemas.microsoft.com/office/drawing/2014/main" id="{D4CB6B79-EDB8-4980-A227-CFA5C18EA4BD}"/>
+              </a:ext>
+            </a:extLst>
+          </p:cNvPr>
+          <p:cNvSpPr txBox="1"/>
+          <p:nvPr/>
+        </p:nvSpPr>
+        <p:spPr>
+          <a:xfrm>
+            <a:off x="411638" y="1759131"/>
+            <a:ext cx="738664" cy="3526972"/>
+          </a:xfrm>
+          <a:prstGeom prst="rect">
+            <a:avLst/>
+          </a:prstGeom>
+          <a:noFill/>
+        </p:spPr>
+        <p:txBody>
+          <a:bodyPr vert="eaVert" wrap="square" rtlCol="0">
+            <a:spAutoFit/>
+          </a:bodyPr>
+          <a:lstStyle/>
+          <a:p>
+            <a:r>
+              <a:rPr lang="zh-CN" altLang="en-US" sz="3600" dirty="0"/>
+              <a:t>跳出局部最优解</a:t>
+            </a:r>
+          </a:p>
+        </p:txBody>
+      </p:sp>
+      <p:cxnSp>
+        <p:nvCxnSpPr>
+          <p:cNvPr id="14" name="直接箭头连接符 13">
+            <a:extLst>
+              <a:ext uri="{FF2B5EF4-FFF2-40B4-BE49-F238E27FC236}">
+                <a16:creationId xmlns:a16="http://schemas.microsoft.com/office/drawing/2014/main" id="{9B3BF824-DBF3-4615-93EC-9561BDDEE8D2}"/>
+              </a:ext>
+            </a:extLst>
+          </p:cNvPr>
+          <p:cNvCxnSpPr>
+            <a:cxnSpLocks/>
+          </p:cNvCxnSpPr>
+          <p:nvPr/>
+        </p:nvCxnSpPr>
+        <p:spPr>
+          <a:xfrm flipV="1">
+            <a:off x="6483532" y="1454331"/>
+            <a:ext cx="579119" cy="731520"/>
+          </a:xfrm>
+          <a:prstGeom prst="straightConnector1">
+            <a:avLst/>
+          </a:prstGeom>
+          <a:ln>
+            <a:tailEnd type="triangle"/>
+          </a:ln>
+        </p:spPr>
+        <p:style>
+          <a:lnRef idx="1">
+            <a:schemeClr val="accent1"/>
+          </a:lnRef>
+          <a:fillRef idx="0">
+            <a:schemeClr val="accent1"/>
+          </a:fillRef>
+          <a:effectRef idx="0">
+            <a:schemeClr val="accent1"/>
+          </a:effectRef>
+          <a:fontRef idx="minor">
+            <a:schemeClr val="tx1"/>
+          </a:fontRef>
+        </p:style>
+      </p:cxnSp>
+      <p:sp>
+        <p:nvSpPr>
+          <p:cNvPr id="16" name="文本框 15">
+            <a:extLst>
+              <a:ext uri="{FF2B5EF4-FFF2-40B4-BE49-F238E27FC236}">
+                <a16:creationId xmlns:a16="http://schemas.microsoft.com/office/drawing/2014/main" id="{68A364D1-A290-4F69-BE8B-F594BA727DB6}"/>
+              </a:ext>
+            </a:extLst>
+          </p:cNvPr>
+          <p:cNvSpPr txBox="1"/>
+          <p:nvPr/>
+        </p:nvSpPr>
+        <p:spPr>
+          <a:xfrm>
+            <a:off x="5460275" y="936222"/>
+            <a:ext cx="4362994" cy="646331"/>
+          </a:xfrm>
+          <a:prstGeom prst="rect">
+            <a:avLst/>
+          </a:prstGeom>
+          <a:noFill/>
+        </p:spPr>
+        <p:txBody>
+          <a:bodyPr wrap="square" rtlCol="0">
+            <a:spAutoFit/>
+          </a:bodyPr>
+          <a:lstStyle/>
+          <a:p>
+            <a:r>
+              <a:rPr lang="zh-CN" altLang="en-US" sz="3600" dirty="0"/>
+              <a:t>达到全局最优解</a:t>
+            </a:r>
+          </a:p>
+        </p:txBody>
+      </p:sp>
+    </p:spTree>
+    <p:extLst>
+      <p:ext uri="{BB962C8B-B14F-4D97-AF65-F5344CB8AC3E}">
+        <p14:creationId xmlns:p14="http://schemas.microsoft.com/office/powerpoint/2010/main" val="1522613914"/>
       </p:ext>
     </p:extLst>
   </p:cSld>
